--- a/Haskell03.pptx
+++ b/Haskell03.pptx
@@ -668,7 +668,7 @@
           <a:p>
             <a:fld id="{43C3842F-D831-4913-9376-42A45A811385}" type="datetimeFigureOut">
               <a:rPr lang="en-CA" smtClean="0"/>
-              <a:t>2016-05-20</a:t>
+              <a:t>2016-05-28</a:t>
             </a:fld>
             <a:endParaRPr lang="en-CA"/>
           </a:p>
@@ -964,7 +964,7 @@
           <a:p>
             <a:fld id="{43C3842F-D831-4913-9376-42A45A811385}" type="datetimeFigureOut">
               <a:rPr lang="en-CA" smtClean="0"/>
-              <a:t>2016-05-20</a:t>
+              <a:t>2016-05-28</a:t>
             </a:fld>
             <a:endParaRPr lang="en-CA"/>
           </a:p>
@@ -1212,7 +1212,7 @@
           <a:p>
             <a:fld id="{43C3842F-D831-4913-9376-42A45A811385}" type="datetimeFigureOut">
               <a:rPr lang="en-CA" smtClean="0"/>
-              <a:t>2016-05-20</a:t>
+              <a:t>2016-05-28</a:t>
             </a:fld>
             <a:endParaRPr lang="en-CA"/>
           </a:p>
@@ -1752,7 +1752,7 @@
           <a:p>
             <a:fld id="{43C3842F-D831-4913-9376-42A45A811385}" type="datetimeFigureOut">
               <a:rPr lang="en-CA" smtClean="0"/>
-              <a:t>2016-05-20</a:t>
+              <a:t>2016-05-28</a:t>
             </a:fld>
             <a:endParaRPr lang="en-CA"/>
           </a:p>
@@ -2000,7 +2000,7 @@
           <a:p>
             <a:fld id="{43C3842F-D831-4913-9376-42A45A811385}" type="datetimeFigureOut">
               <a:rPr lang="en-CA" smtClean="0"/>
-              <a:t>2016-05-20</a:t>
+              <a:t>2016-05-28</a:t>
             </a:fld>
             <a:endParaRPr lang="en-CA"/>
           </a:p>
@@ -2532,7 +2532,7 @@
           <a:p>
             <a:fld id="{43C3842F-D831-4913-9376-42A45A811385}" type="datetimeFigureOut">
               <a:rPr lang="en-CA" smtClean="0"/>
-              <a:t>2016-05-20</a:t>
+              <a:t>2016-05-28</a:t>
             </a:fld>
             <a:endParaRPr lang="en-CA"/>
           </a:p>
@@ -2829,7 +2829,7 @@
           <a:p>
             <a:fld id="{43C3842F-D831-4913-9376-42A45A811385}" type="datetimeFigureOut">
               <a:rPr lang="en-CA" smtClean="0"/>
-              <a:t>2016-05-20</a:t>
+              <a:t>2016-05-28</a:t>
             </a:fld>
             <a:endParaRPr lang="en-CA"/>
           </a:p>
@@ -3003,7 +3003,7 @@
           <a:p>
             <a:fld id="{43C3842F-D831-4913-9376-42A45A811385}" type="datetimeFigureOut">
               <a:rPr lang="en-CA" smtClean="0"/>
-              <a:t>2016-05-20</a:t>
+              <a:t>2016-05-28</a:t>
             </a:fld>
             <a:endParaRPr lang="en-CA"/>
           </a:p>
@@ -3183,7 +3183,7 @@
           <a:p>
             <a:fld id="{43C3842F-D831-4913-9376-42A45A811385}" type="datetimeFigureOut">
               <a:rPr lang="en-CA" smtClean="0"/>
-              <a:t>2016-05-20</a:t>
+              <a:t>2016-05-28</a:t>
             </a:fld>
             <a:endParaRPr lang="en-CA"/>
           </a:p>
@@ -3353,7 +3353,7 @@
           <a:p>
             <a:fld id="{43C3842F-D831-4913-9376-42A45A811385}" type="datetimeFigureOut">
               <a:rPr lang="en-CA" smtClean="0"/>
-              <a:t>2016-05-20</a:t>
+              <a:t>2016-05-28</a:t>
             </a:fld>
             <a:endParaRPr lang="en-CA"/>
           </a:p>
@@ -3604,7 +3604,7 @@
           <a:p>
             <a:fld id="{43C3842F-D831-4913-9376-42A45A811385}" type="datetimeFigureOut">
               <a:rPr lang="en-CA" smtClean="0"/>
-              <a:t>2016-05-20</a:t>
+              <a:t>2016-05-28</a:t>
             </a:fld>
             <a:endParaRPr lang="en-CA"/>
           </a:p>
@@ -3901,7 +3901,7 @@
           <a:p>
             <a:fld id="{43C3842F-D831-4913-9376-42A45A811385}" type="datetimeFigureOut">
               <a:rPr lang="en-CA" smtClean="0"/>
-              <a:t>2016-05-20</a:t>
+              <a:t>2016-05-28</a:t>
             </a:fld>
             <a:endParaRPr lang="en-CA"/>
           </a:p>
@@ -4343,7 +4343,7 @@
           <a:p>
             <a:fld id="{43C3842F-D831-4913-9376-42A45A811385}" type="datetimeFigureOut">
               <a:rPr lang="en-CA" smtClean="0"/>
-              <a:t>2016-05-20</a:t>
+              <a:t>2016-05-28</a:t>
             </a:fld>
             <a:endParaRPr lang="en-CA"/>
           </a:p>
@@ -4461,7 +4461,7 @@
           <a:p>
             <a:fld id="{43C3842F-D831-4913-9376-42A45A811385}" type="datetimeFigureOut">
               <a:rPr lang="en-CA" smtClean="0"/>
-              <a:t>2016-05-20</a:t>
+              <a:t>2016-05-28</a:t>
             </a:fld>
             <a:endParaRPr lang="en-CA"/>
           </a:p>
@@ -4556,7 +4556,7 @@
           <a:p>
             <a:fld id="{43C3842F-D831-4913-9376-42A45A811385}" type="datetimeFigureOut">
               <a:rPr lang="en-CA" smtClean="0"/>
-              <a:t>2016-05-20</a:t>
+              <a:t>2016-05-28</a:t>
             </a:fld>
             <a:endParaRPr lang="en-CA"/>
           </a:p>
@@ -4839,7 +4839,7 @@
           <a:p>
             <a:fld id="{43C3842F-D831-4913-9376-42A45A811385}" type="datetimeFigureOut">
               <a:rPr lang="en-CA" smtClean="0"/>
-              <a:t>2016-05-20</a:t>
+              <a:t>2016-05-28</a:t>
             </a:fld>
             <a:endParaRPr lang="en-CA"/>
           </a:p>
@@ -5130,7 +5130,7 @@
           <a:p>
             <a:fld id="{43C3842F-D831-4913-9376-42A45A811385}" type="datetimeFigureOut">
               <a:rPr lang="en-CA" smtClean="0"/>
-              <a:t>2016-05-20</a:t>
+              <a:t>2016-05-28</a:t>
             </a:fld>
             <a:endParaRPr lang="en-CA"/>
           </a:p>
@@ -5660,7 +5660,7 @@
           <a:p>
             <a:fld id="{43C3842F-D831-4913-9376-42A45A811385}" type="datetimeFigureOut">
               <a:rPr lang="en-CA" smtClean="0"/>
-              <a:t>2016-05-20</a:t>
+              <a:t>2016-05-28</a:t>
             </a:fld>
             <a:endParaRPr lang="en-CA"/>
           </a:p>
@@ -9545,11 +9545,7 @@
             </a:r>
             <a:r>
               <a:rPr lang="ko-KR" altLang="en-US" dirty="0" smtClean="0"/>
-              <a:t>를 사용할 수 </a:t>
-            </a:r>
-            <a:r>
-              <a:rPr lang="ko-KR" altLang="en-US" dirty="0" smtClean="0"/>
-              <a:t>있다</a:t>
+              <a:t>를 사용할 수 있다</a:t>
             </a:r>
             <a:r>
               <a:rPr lang="en-US" altLang="ko-KR" dirty="0" smtClean="0"/>
@@ -9742,11 +9738,7 @@
             </a:r>
             <a:r>
               <a:rPr lang="en-US" altLang="ko-KR" smtClean="0"/>
-              <a:t>Class </a:t>
-            </a:r>
-            <a:r>
-              <a:rPr lang="en-US" altLang="ko-KR" smtClean="0"/>
-              <a:t>Inheritance</a:t>
+              <a:t>Class Inheritance</a:t>
             </a:r>
             <a:endParaRPr lang="en-US" altLang="ko-KR" dirty="0" smtClean="0"/>
           </a:p>
@@ -9869,11 +9861,7 @@
             </a:r>
             <a:r>
               <a:rPr lang="ko-KR" altLang="en-US" dirty="0" smtClean="0"/>
-              <a:t>를 사용할 수 </a:t>
-            </a:r>
-            <a:r>
-              <a:rPr lang="ko-KR" altLang="en-US" dirty="0" smtClean="0"/>
-              <a:t>있다</a:t>
+              <a:t>를 사용할 수 있다</a:t>
             </a:r>
             <a:r>
               <a:rPr lang="en-US" altLang="ko-KR" dirty="0" smtClean="0"/>
@@ -13573,11 +13561,7 @@
             </a:r>
             <a:r>
               <a:rPr lang="ko-KR" altLang="en-US" dirty="0" smtClean="0"/>
-              <a:t>는 같은지 다른지 비교가 가능한 타입들의 </a:t>
-            </a:r>
-            <a:r>
-              <a:rPr lang="ko-KR" altLang="en-US" dirty="0" smtClean="0"/>
-              <a:t>집합</a:t>
+              <a:t>는 같은지 다른지 비교가 가능한 타입들의 집합</a:t>
             </a:r>
             <a:endParaRPr lang="en-US" altLang="ko-KR" dirty="0" smtClean="0"/>
           </a:p>
@@ -13596,11 +13580,7 @@
             </a:r>
             <a:r>
               <a:rPr lang="ko-KR" altLang="en-US" dirty="0" smtClean="0"/>
-              <a:t>는 크기의 비교가 가능한 타입들의 </a:t>
-            </a:r>
-            <a:r>
-              <a:rPr lang="ko-KR" altLang="en-US" dirty="0" smtClean="0"/>
-              <a:t>집합</a:t>
+              <a:t>는 크기의 비교가 가능한 타입들의 집합</a:t>
             </a:r>
             <a:endParaRPr lang="en-US" altLang="ko-KR" dirty="0" smtClean="0"/>
           </a:p>
@@ -13610,7 +13590,6 @@
               <a:rPr lang="en-US" altLang="ko-KR" dirty="0" smtClean="0"/>
               <a:t>compare :: a -&gt; a -&gt; Ordering</a:t>
             </a:r>
-            <a:endParaRPr lang="en-US" altLang="ko-KR" dirty="0" smtClean="0"/>
           </a:p>
           <a:p>
             <a:pPr lvl="2"/>
@@ -13618,7 +13597,6 @@
               <a:rPr lang="en-US" altLang="ko-KR" dirty="0" smtClean="0"/>
               <a:t>(&lt;=) :: a -&gt; a -&gt; Bool</a:t>
             </a:r>
-            <a:endParaRPr lang="en-US" altLang="ko-KR" dirty="0" smtClean="0"/>
           </a:p>
         </p:txBody>
       </p:sp>
@@ -14000,11 +13978,7 @@
             </a:r>
             <a:r>
               <a:rPr lang="ko-KR" altLang="en-US" dirty="0" smtClean="0"/>
-              <a:t>가 </a:t>
-            </a:r>
-            <a:r>
-              <a:rPr lang="ko-KR" altLang="en-US" dirty="0" smtClean="0"/>
-              <a:t>정의 가능하면</a:t>
+              <a:t>가 정의 가능하면</a:t>
             </a:r>
             <a:r>
               <a:rPr lang="en-US" altLang="ko-KR" dirty="0" smtClean="0"/>
@@ -14345,11 +14319,7 @@
             </a:r>
             <a:r>
               <a:rPr lang="ko-KR" altLang="en-US" dirty="0" smtClean="0"/>
-              <a:t>도 </a:t>
-            </a:r>
-            <a:r>
-              <a:rPr lang="ko-KR" altLang="en-US" dirty="0" smtClean="0"/>
-              <a:t>정의되어야 한다</a:t>
+              <a:t>도 정의되어야 한다</a:t>
             </a:r>
             <a:r>
               <a:rPr lang="en-US" altLang="ko-KR" dirty="0" smtClean="0"/>
@@ -14495,11 +14465,7 @@
             </a:r>
             <a:r>
               <a:rPr lang="en-US" altLang="ko-KR" dirty="0" smtClean="0"/>
-              <a:t> </a:t>
-            </a:r>
-            <a:r>
-              <a:rPr lang="en-US" altLang="ko-KR" dirty="0" smtClean="0"/>
-              <a:t>Class</a:t>
+              <a:t> Class</a:t>
             </a:r>
             <a:r>
               <a:rPr lang="ko-KR" altLang="en-US" dirty="0" smtClean="0"/>
@@ -14511,11 +14477,7 @@
             </a:r>
             <a:r>
               <a:rPr lang="en-US" altLang="ko-KR" dirty="0" smtClean="0"/>
-              <a:t> </a:t>
-            </a:r>
-            <a:r>
-              <a:rPr lang="en-US" altLang="ko-KR" dirty="0" smtClean="0"/>
-              <a:t>Class</a:t>
+              <a:t> Class</a:t>
             </a:r>
             <a:r>
               <a:rPr lang="ko-KR" altLang="en-US" dirty="0" smtClean="0"/>
@@ -14569,11 +14531,7 @@
             </a:r>
             <a:r>
               <a:rPr lang="ko-KR" altLang="en-US" dirty="0" smtClean="0"/>
-              <a:t>을 </a:t>
-            </a:r>
-            <a:r>
-              <a:rPr lang="ko-KR" altLang="en-US" dirty="0" smtClean="0"/>
-              <a:t>부모</a:t>
+              <a:t>을 부모</a:t>
             </a:r>
             <a:r>
               <a:rPr lang="en-US" altLang="ko-KR" dirty="0" smtClean="0"/>
@@ -14585,11 +14543,7 @@
             </a:r>
             <a:r>
               <a:rPr lang="en-US" altLang="ko-KR" dirty="0" smtClean="0"/>
-              <a:t>(</a:t>
-            </a:r>
-            <a:r>
-              <a:rPr lang="en-US" altLang="ko-KR" dirty="0" smtClean="0"/>
-              <a:t>Ord, B)</a:t>
+              <a:t>(Ord, B)</a:t>
             </a:r>
             <a:r>
               <a:rPr lang="ko-KR" altLang="en-US" dirty="0" smtClean="0"/>
@@ -15520,11 +15474,7 @@
             </a:r>
             <a:r>
               <a:rPr lang="en-US" dirty="0" smtClean="0"/>
-              <a:t> </a:t>
-            </a:r>
-            <a:r>
-              <a:rPr lang="en-US" dirty="0" smtClean="0"/>
-              <a:t>a</a:t>
+              <a:t> a</a:t>
             </a:r>
             <a:endParaRPr lang="en-CA" dirty="0"/>
           </a:p>
@@ -16169,11 +16119,7 @@
             </a:r>
             <a:r>
               <a:rPr lang="en-US" dirty="0" smtClean="0"/>
-              <a:t> </a:t>
-            </a:r>
-            <a:r>
-              <a:rPr lang="en-US" dirty="0" smtClean="0"/>
-              <a:t>a</a:t>
+              <a:t> a</a:t>
             </a:r>
             <a:endParaRPr lang="en-CA" dirty="0"/>
           </a:p>
